--- a/Biblioteca.pptx
+++ b/Biblioteca.pptx
@@ -104,6 +104,11 @@
       </a:defRPr>
     </a:lvl9pPr>
   </p:defaultTextStyle>
+  <p:extLst>
+    <p:ext uri="{EFAFB233-063F-42B5-8137-9DF3F51BA10A}">
+      <p15:sldGuideLst xmlns:p15="http://schemas.microsoft.com/office/powerpoint/2012/main"/>
+    </p:ext>
+  </p:extLst>
 </p:presentation>
 </file>
 
@@ -254,7 +259,7 @@
           <a:p>
             <a:fld id="{F419428B-C99E-40BE-B378-E392F02D1C06}" type="datetimeFigureOut">
               <a:rPr lang="it-IT" smtClean="0"/>
-              <a:t>27/09/2022</a:t>
+              <a:t>28/09/2022</a:t>
             </a:fld>
             <a:endParaRPr lang="it-IT"/>
           </a:p>
@@ -452,7 +457,7 @@
           <a:p>
             <a:fld id="{F419428B-C99E-40BE-B378-E392F02D1C06}" type="datetimeFigureOut">
               <a:rPr lang="it-IT" smtClean="0"/>
-              <a:t>27/09/2022</a:t>
+              <a:t>28/09/2022</a:t>
             </a:fld>
             <a:endParaRPr lang="it-IT"/>
           </a:p>
@@ -660,7 +665,7 @@
           <a:p>
             <a:fld id="{F419428B-C99E-40BE-B378-E392F02D1C06}" type="datetimeFigureOut">
               <a:rPr lang="it-IT" smtClean="0"/>
-              <a:t>27/09/2022</a:t>
+              <a:t>28/09/2022</a:t>
             </a:fld>
             <a:endParaRPr lang="it-IT"/>
           </a:p>
@@ -858,7 +863,7 @@
           <a:p>
             <a:fld id="{F419428B-C99E-40BE-B378-E392F02D1C06}" type="datetimeFigureOut">
               <a:rPr lang="it-IT" smtClean="0"/>
-              <a:t>27/09/2022</a:t>
+              <a:t>28/09/2022</a:t>
             </a:fld>
             <a:endParaRPr lang="it-IT"/>
           </a:p>
@@ -1133,7 +1138,7 @@
           <a:p>
             <a:fld id="{F419428B-C99E-40BE-B378-E392F02D1C06}" type="datetimeFigureOut">
               <a:rPr lang="it-IT" smtClean="0"/>
-              <a:t>27/09/2022</a:t>
+              <a:t>28/09/2022</a:t>
             </a:fld>
             <a:endParaRPr lang="it-IT"/>
           </a:p>
@@ -1398,7 +1403,7 @@
           <a:p>
             <a:fld id="{F419428B-C99E-40BE-B378-E392F02D1C06}" type="datetimeFigureOut">
               <a:rPr lang="it-IT" smtClean="0"/>
-              <a:t>27/09/2022</a:t>
+              <a:t>28/09/2022</a:t>
             </a:fld>
             <a:endParaRPr lang="it-IT"/>
           </a:p>
@@ -1810,7 +1815,7 @@
           <a:p>
             <a:fld id="{F419428B-C99E-40BE-B378-E392F02D1C06}" type="datetimeFigureOut">
               <a:rPr lang="it-IT" smtClean="0"/>
-              <a:t>27/09/2022</a:t>
+              <a:t>28/09/2022</a:t>
             </a:fld>
             <a:endParaRPr lang="it-IT"/>
           </a:p>
@@ -1951,7 +1956,7 @@
           <a:p>
             <a:fld id="{F419428B-C99E-40BE-B378-E392F02D1C06}" type="datetimeFigureOut">
               <a:rPr lang="it-IT" smtClean="0"/>
-              <a:t>27/09/2022</a:t>
+              <a:t>28/09/2022</a:t>
             </a:fld>
             <a:endParaRPr lang="it-IT"/>
           </a:p>
@@ -2064,7 +2069,7 @@
           <a:p>
             <a:fld id="{F419428B-C99E-40BE-B378-E392F02D1C06}" type="datetimeFigureOut">
               <a:rPr lang="it-IT" smtClean="0"/>
-              <a:t>27/09/2022</a:t>
+              <a:t>28/09/2022</a:t>
             </a:fld>
             <a:endParaRPr lang="it-IT"/>
           </a:p>
@@ -2375,7 +2380,7 @@
           <a:p>
             <a:fld id="{F419428B-C99E-40BE-B378-E392F02D1C06}" type="datetimeFigureOut">
               <a:rPr lang="it-IT" smtClean="0"/>
-              <a:t>27/09/2022</a:t>
+              <a:t>28/09/2022</a:t>
             </a:fld>
             <a:endParaRPr lang="it-IT"/>
           </a:p>
@@ -2663,7 +2668,7 @@
           <a:p>
             <a:fld id="{F419428B-C99E-40BE-B378-E392F02D1C06}" type="datetimeFigureOut">
               <a:rPr lang="it-IT" smtClean="0"/>
-              <a:t>27/09/2022</a:t>
+              <a:t>28/09/2022</a:t>
             </a:fld>
             <a:endParaRPr lang="it-IT"/>
           </a:p>
@@ -2904,7 +2909,7 @@
           <a:p>
             <a:fld id="{F419428B-C99E-40BE-B378-E392F02D1C06}" type="datetimeFigureOut">
               <a:rPr lang="it-IT" smtClean="0"/>
-              <a:t>27/09/2022</a:t>
+              <a:t>28/09/2022</a:t>
             </a:fld>
             <a:endParaRPr lang="it-IT"/>
           </a:p>
@@ -3336,14 +3341,14 @@
           <p:nvPr>
             <p:extLst>
               <p:ext uri="{D42A27DB-BD31-4B8C-83A1-F6EECF244321}">
-                <p14:modId xmlns:p14="http://schemas.microsoft.com/office/powerpoint/2010/main" val="3034852963"/>
+                <p14:modId xmlns:p14="http://schemas.microsoft.com/office/powerpoint/2010/main" val="934695470"/>
               </p:ext>
             </p:extLst>
           </p:nvPr>
         </p:nvGraphicFramePr>
         <p:xfrm>
-          <a:off x="1111250" y="3833609"/>
-          <a:ext cx="1181100" cy="1968012"/>
+          <a:off x="10390909" y="4415207"/>
+          <a:ext cx="1181100" cy="1312008"/>
         </p:xfrm>
         <a:graphic>
           <a:graphicData uri="http://schemas.openxmlformats.org/drawingml/2006/table">
@@ -3501,9 +3506,12 @@
                     <a:bodyPr/>
                     <a:lstStyle/>
                     <a:p>
-                      <a:endParaRPr lang="it-IT" sz="800" dirty="0">
-                        <a:latin typeface="Biancoenero Regular" panose="020B0503020000020003" pitchFamily="34" charset="0"/>
-                      </a:endParaRPr>
+                      <a:r>
+                        <a:rPr lang="it-IT" sz="800" dirty="0">
+                          <a:latin typeface="Biancoenero Regular" panose="020B0503020000020003" pitchFamily="34" charset="0"/>
+                        </a:rPr>
+                        <a:t>Indirizzo</a:t>
+                      </a:r>
                     </a:p>
                   </a:txBody>
                   <a:tcPr>
@@ -3568,9 +3576,12 @@
                     <a:bodyPr/>
                     <a:lstStyle/>
                     <a:p>
-                      <a:endParaRPr lang="it-IT" sz="800" dirty="0">
-                        <a:latin typeface="Biancoenero Regular" panose="020B0503020000020003" pitchFamily="34" charset="0"/>
-                      </a:endParaRPr>
+                      <a:r>
+                        <a:rPr lang="it-IT" sz="800" dirty="0">
+                          <a:latin typeface="Biancoenero Regular" panose="020B0503020000020003" pitchFamily="34" charset="0"/>
+                        </a:rPr>
+                        <a:t>Città</a:t>
+                      </a:r>
                     </a:p>
                   </a:txBody>
                   <a:tcPr>
@@ -3635,9 +3646,12 @@
                     <a:bodyPr/>
                     <a:lstStyle/>
                     <a:p>
-                      <a:endParaRPr lang="it-IT" sz="800" dirty="0">
-                        <a:latin typeface="Biancoenero Regular" panose="020B0503020000020003" pitchFamily="34" charset="0"/>
-                      </a:endParaRPr>
+                      <a:r>
+                        <a:rPr lang="it-IT" sz="800" dirty="0">
+                          <a:latin typeface="Biancoenero Regular" panose="020B0503020000020003" pitchFamily="34" charset="0"/>
+                        </a:rPr>
+                        <a:t>Provincia</a:t>
+                      </a:r>
                     </a:p>
                   </a:txBody>
                   <a:tcPr>
@@ -3702,9 +3716,12 @@
                     <a:bodyPr/>
                     <a:lstStyle/>
                     <a:p>
-                      <a:endParaRPr lang="it-IT" sz="800" dirty="0">
-                        <a:latin typeface="Biancoenero Regular" panose="020B0503020000020003" pitchFamily="34" charset="0"/>
-                      </a:endParaRPr>
+                      <a:r>
+                        <a:rPr lang="it-IT" sz="800" dirty="0">
+                          <a:latin typeface="Biancoenero Regular" panose="020B0503020000020003" pitchFamily="34" charset="0"/>
+                        </a:rPr>
+                        <a:t>Nazione</a:t>
+                      </a:r>
                     </a:p>
                   </a:txBody>
                   <a:tcPr>
@@ -3763,207 +3780,6 @@
                   </a:ext>
                 </a:extLst>
               </a:tr>
-              <a:tr h="218668">
-                <a:tc>
-                  <a:txBody>
-                    <a:bodyPr/>
-                    <a:lstStyle/>
-                    <a:p>
-                      <a:endParaRPr lang="it-IT" sz="800" dirty="0">
-                        <a:latin typeface="Biancoenero Regular" panose="020B0503020000020003" pitchFamily="34" charset="0"/>
-                      </a:endParaRPr>
-                    </a:p>
-                  </a:txBody>
-                  <a:tcPr>
-                    <a:lnL w="12700" cap="flat" cmpd="sng" algn="ctr">
-                      <a:solidFill>
-                        <a:schemeClr val="tx1"/>
-                      </a:solidFill>
-                      <a:prstDash val="solid"/>
-                      <a:round/>
-                      <a:headEnd type="none" w="med" len="med"/>
-                      <a:tailEnd type="none" w="med" len="med"/>
-                    </a:lnL>
-                    <a:lnR w="12700" cap="flat" cmpd="sng" algn="ctr">
-                      <a:solidFill>
-                        <a:schemeClr val="tx1"/>
-                      </a:solidFill>
-                      <a:prstDash val="solid"/>
-                      <a:round/>
-                      <a:headEnd type="none" w="med" len="med"/>
-                      <a:tailEnd type="none" w="med" len="med"/>
-                    </a:lnR>
-                    <a:lnT w="12700" cap="flat" cmpd="sng" algn="ctr">
-                      <a:solidFill>
-                        <a:schemeClr val="tx1"/>
-                      </a:solidFill>
-                      <a:prstDash val="solid"/>
-                      <a:round/>
-                      <a:headEnd type="none" w="med" len="med"/>
-                      <a:tailEnd type="none" w="med" len="med"/>
-                    </a:lnT>
-                    <a:lnB w="12700" cap="flat" cmpd="sng" algn="ctr">
-                      <a:solidFill>
-                        <a:schemeClr val="tx1"/>
-                      </a:solidFill>
-                      <a:prstDash val="solid"/>
-                      <a:round/>
-                      <a:headEnd type="none" w="med" len="med"/>
-                      <a:tailEnd type="none" w="med" len="med"/>
-                    </a:lnB>
-                    <a:lnTlToBr w="12700" cmpd="sng">
-                      <a:noFill/>
-                      <a:prstDash val="solid"/>
-                    </a:lnTlToBr>
-                    <a:lnBlToTr w="12700" cmpd="sng">
-                      <a:noFill/>
-                      <a:prstDash val="solid"/>
-                    </a:lnBlToTr>
-                    <a:solidFill>
-                      <a:schemeClr val="bg1"/>
-                    </a:solidFill>
-                  </a:tcPr>
-                </a:tc>
-                <a:extLst>
-                  <a:ext uri="{0D108BD9-81ED-4DB2-BD59-A6C34878D82A}">
-                    <a16:rowId xmlns:a16="http://schemas.microsoft.com/office/drawing/2014/main" val="2601380430"/>
-                  </a:ext>
-                </a:extLst>
-              </a:tr>
-              <a:tr h="218668">
-                <a:tc>
-                  <a:txBody>
-                    <a:bodyPr/>
-                    <a:lstStyle/>
-                    <a:p>
-                      <a:endParaRPr lang="it-IT" sz="800" dirty="0">
-                        <a:latin typeface="Biancoenero Regular" panose="020B0503020000020003" pitchFamily="34" charset="0"/>
-                      </a:endParaRPr>
-                    </a:p>
-                  </a:txBody>
-                  <a:tcPr>
-                    <a:lnL w="12700" cap="flat" cmpd="sng" algn="ctr">
-                      <a:solidFill>
-                        <a:schemeClr val="tx1"/>
-                      </a:solidFill>
-                      <a:prstDash val="solid"/>
-                      <a:round/>
-                      <a:headEnd type="none" w="med" len="med"/>
-                      <a:tailEnd type="none" w="med" len="med"/>
-                    </a:lnL>
-                    <a:lnR w="12700" cap="flat" cmpd="sng" algn="ctr">
-                      <a:solidFill>
-                        <a:schemeClr val="tx1"/>
-                      </a:solidFill>
-                      <a:prstDash val="solid"/>
-                      <a:round/>
-                      <a:headEnd type="none" w="med" len="med"/>
-                      <a:tailEnd type="none" w="med" len="med"/>
-                    </a:lnR>
-                    <a:lnT w="12700" cap="flat" cmpd="sng" algn="ctr">
-                      <a:solidFill>
-                        <a:schemeClr val="tx1"/>
-                      </a:solidFill>
-                      <a:prstDash val="solid"/>
-                      <a:round/>
-                      <a:headEnd type="none" w="med" len="med"/>
-                      <a:tailEnd type="none" w="med" len="med"/>
-                    </a:lnT>
-                    <a:lnB w="12700" cap="flat" cmpd="sng" algn="ctr">
-                      <a:solidFill>
-                        <a:schemeClr val="tx1"/>
-                      </a:solidFill>
-                      <a:prstDash val="solid"/>
-                      <a:round/>
-                      <a:headEnd type="none" w="med" len="med"/>
-                      <a:tailEnd type="none" w="med" len="med"/>
-                    </a:lnB>
-                    <a:lnTlToBr w="12700" cmpd="sng">
-                      <a:noFill/>
-                      <a:prstDash val="solid"/>
-                    </a:lnTlToBr>
-                    <a:lnBlToTr w="12700" cmpd="sng">
-                      <a:noFill/>
-                      <a:prstDash val="solid"/>
-                    </a:lnBlToTr>
-                    <a:solidFill>
-                      <a:schemeClr val="accent4"/>
-                    </a:solidFill>
-                  </a:tcPr>
-                </a:tc>
-                <a:extLst>
-                  <a:ext uri="{0D108BD9-81ED-4DB2-BD59-A6C34878D82A}">
-                    <a16:rowId xmlns:a16="http://schemas.microsoft.com/office/drawing/2014/main" val="4258242415"/>
-                  </a:ext>
-                </a:extLst>
-              </a:tr>
-              <a:tr h="218668">
-                <a:tc>
-                  <a:txBody>
-                    <a:bodyPr/>
-                    <a:lstStyle/>
-                    <a:p>
-                      <a:endParaRPr lang="it-IT" sz="800" dirty="0">
-                        <a:latin typeface="Biancoenero Regular" panose="020B0503020000020003" pitchFamily="34" charset="0"/>
-                      </a:endParaRPr>
-                    </a:p>
-                  </a:txBody>
-                  <a:tcPr>
-                    <a:lnL w="12700" cap="flat" cmpd="sng" algn="ctr">
-                      <a:solidFill>
-                        <a:schemeClr val="tx1"/>
-                      </a:solidFill>
-                      <a:prstDash val="solid"/>
-                      <a:round/>
-                      <a:headEnd type="none" w="med" len="med"/>
-                      <a:tailEnd type="none" w="med" len="med"/>
-                    </a:lnL>
-                    <a:lnR w="12700" cap="flat" cmpd="sng" algn="ctr">
-                      <a:solidFill>
-                        <a:schemeClr val="tx1"/>
-                      </a:solidFill>
-                      <a:prstDash val="solid"/>
-                      <a:round/>
-                      <a:headEnd type="none" w="med" len="med"/>
-                      <a:tailEnd type="none" w="med" len="med"/>
-                    </a:lnR>
-                    <a:lnT w="12700" cap="flat" cmpd="sng" algn="ctr">
-                      <a:solidFill>
-                        <a:schemeClr val="tx1"/>
-                      </a:solidFill>
-                      <a:prstDash val="solid"/>
-                      <a:round/>
-                      <a:headEnd type="none" w="med" len="med"/>
-                      <a:tailEnd type="none" w="med" len="med"/>
-                    </a:lnT>
-                    <a:lnB w="12700" cap="flat" cmpd="sng" algn="ctr">
-                      <a:solidFill>
-                        <a:schemeClr val="tx1"/>
-                      </a:solidFill>
-                      <a:prstDash val="solid"/>
-                      <a:round/>
-                      <a:headEnd type="none" w="med" len="med"/>
-                      <a:tailEnd type="none" w="med" len="med"/>
-                    </a:lnB>
-                    <a:lnTlToBr w="12700" cmpd="sng">
-                      <a:noFill/>
-                      <a:prstDash val="solid"/>
-                    </a:lnTlToBr>
-                    <a:lnBlToTr w="12700" cmpd="sng">
-                      <a:noFill/>
-                      <a:prstDash val="solid"/>
-                    </a:lnBlToTr>
-                    <a:solidFill>
-                      <a:schemeClr val="bg1"/>
-                    </a:solidFill>
-                  </a:tcPr>
-                </a:tc>
-                <a:extLst>
-                  <a:ext uri="{0D108BD9-81ED-4DB2-BD59-A6C34878D82A}">
-                    <a16:rowId xmlns:a16="http://schemas.microsoft.com/office/drawing/2014/main" val="1108986546"/>
-                  </a:ext>
-                </a:extLst>
-              </a:tr>
             </a:tbl>
           </a:graphicData>
         </a:graphic>
@@ -3983,14 +3799,14 @@
           <p:nvPr>
             <p:extLst>
               <p:ext uri="{D42A27DB-BD31-4B8C-83A1-F6EECF244321}">
-                <p14:modId xmlns:p14="http://schemas.microsoft.com/office/powerpoint/2010/main" val="4050265064"/>
+                <p14:modId xmlns:p14="http://schemas.microsoft.com/office/powerpoint/2010/main" val="2037790380"/>
               </p:ext>
             </p:extLst>
           </p:nvPr>
         </p:nvGraphicFramePr>
         <p:xfrm>
-          <a:off x="3117850" y="5145617"/>
-          <a:ext cx="1181100" cy="1312008"/>
+          <a:off x="8228900" y="2812128"/>
+          <a:ext cx="1311645" cy="1525368"/>
         </p:xfrm>
         <a:graphic>
           <a:graphicData uri="http://schemas.openxmlformats.org/drawingml/2006/table">
@@ -3999,7 +3815,7 @@
                 <a:tableStyleId>{5C22544A-7EE6-4342-B048-85BDC9FD1C3A}</a:tableStyleId>
               </a:tblPr>
               <a:tblGrid>
-                <a:gridCol w="1181100">
+                <a:gridCol w="1311645">
                   <a:extLst>
                     <a:ext uri="{9D8B030D-6E8A-4147-A177-3AD203B41FA5}">
                       <a16:colId xmlns:a16="http://schemas.microsoft.com/office/drawing/2014/main" val="2877848000"/>
@@ -4148,9 +3964,12 @@
                     <a:bodyPr/>
                     <a:lstStyle/>
                     <a:p>
-                      <a:endParaRPr lang="it-IT" sz="800" dirty="0">
-                        <a:latin typeface="Biancoenero Regular" panose="020B0503020000020003" pitchFamily="34" charset="0"/>
-                      </a:endParaRPr>
+                      <a:r>
+                        <a:rPr lang="it-IT" sz="800" dirty="0">
+                          <a:latin typeface="Biancoenero Regular" panose="020B0503020000020003" pitchFamily="34" charset="0"/>
+                        </a:rPr>
+                        <a:t>Nome</a:t>
+                      </a:r>
                     </a:p>
                   </a:txBody>
                   <a:tcPr>
@@ -4215,9 +4034,12 @@
                     <a:bodyPr/>
                     <a:lstStyle/>
                     <a:p>
-                      <a:endParaRPr lang="it-IT" sz="800" dirty="0">
-                        <a:latin typeface="Biancoenero Regular" panose="020B0503020000020003" pitchFamily="34" charset="0"/>
-                      </a:endParaRPr>
+                      <a:r>
+                        <a:rPr lang="it-IT" sz="800" dirty="0">
+                          <a:latin typeface="Biancoenero Regular" panose="020B0503020000020003" pitchFamily="34" charset="0"/>
+                        </a:rPr>
+                        <a:t>Cognome</a:t>
+                      </a:r>
                     </a:p>
                   </a:txBody>
                   <a:tcPr>
@@ -4282,6 +4104,12 @@
                     <a:bodyPr/>
                     <a:lstStyle/>
                     <a:p>
+                      <a:r>
+                        <a:rPr lang="it-IT" sz="800" dirty="0" err="1">
+                          <a:latin typeface="Biancoenero Regular" panose="020B0503020000020003" pitchFamily="34" charset="0"/>
+                        </a:rPr>
+                        <a:t>Data_di_nascita</a:t>
+                      </a:r>
                       <a:endParaRPr lang="it-IT" sz="800" dirty="0">
                         <a:latin typeface="Biancoenero Regular" panose="020B0503020000020003" pitchFamily="34" charset="0"/>
                       </a:endParaRPr>
@@ -4349,6 +4177,12 @@
                     <a:bodyPr/>
                     <a:lstStyle/>
                     <a:p>
+                      <a:r>
+                        <a:rPr lang="it-IT" sz="800" dirty="0" err="1">
+                          <a:latin typeface="Biancoenero Regular" panose="020B0503020000020003" pitchFamily="34" charset="0"/>
+                        </a:rPr>
+                        <a:t>id_residenza</a:t>
+                      </a:r>
                       <a:endParaRPr lang="it-IT" sz="800" dirty="0">
                         <a:latin typeface="Biancoenero Regular" panose="020B0503020000020003" pitchFamily="34" charset="0"/>
                       </a:endParaRPr>
@@ -4400,13 +4234,86 @@
                       <a:prstDash val="solid"/>
                     </a:lnBlToTr>
                     <a:solidFill>
-                      <a:schemeClr val="bg1"/>
+                      <a:schemeClr val="accent4"/>
                     </a:solidFill>
                   </a:tcPr>
                 </a:tc>
                 <a:extLst>
                   <a:ext uri="{0D108BD9-81ED-4DB2-BD59-A6C34878D82A}">
                     <a16:rowId xmlns:a16="http://schemas.microsoft.com/office/drawing/2014/main" val="738037705"/>
+                  </a:ext>
+                </a:extLst>
+              </a:tr>
+              <a:tr h="184688">
+                <a:tc>
+                  <a:txBody>
+                    <a:bodyPr/>
+                    <a:lstStyle/>
+                    <a:p>
+                      <a:r>
+                        <a:rPr lang="it-IT" sz="800" dirty="0" err="1">
+                          <a:latin typeface="Biancoenero Regular" panose="020B0503020000020003" pitchFamily="34" charset="0"/>
+                        </a:rPr>
+                        <a:t>id_libri_in_prestito</a:t>
+                      </a:r>
+                      <a:endParaRPr lang="it-IT" sz="800" dirty="0">
+                        <a:latin typeface="Biancoenero Regular" panose="020B0503020000020003" pitchFamily="34" charset="0"/>
+                      </a:endParaRPr>
+                    </a:p>
+                  </a:txBody>
+                  <a:tcPr>
+                    <a:lnL w="12700" cap="flat" cmpd="sng" algn="ctr">
+                      <a:solidFill>
+                        <a:schemeClr val="tx1"/>
+                      </a:solidFill>
+                      <a:prstDash val="solid"/>
+                      <a:round/>
+                      <a:headEnd type="none" w="med" len="med"/>
+                      <a:tailEnd type="none" w="med" len="med"/>
+                    </a:lnL>
+                    <a:lnR w="12700" cap="flat" cmpd="sng" algn="ctr">
+                      <a:solidFill>
+                        <a:schemeClr val="tx1"/>
+                      </a:solidFill>
+                      <a:prstDash val="solid"/>
+                      <a:round/>
+                      <a:headEnd type="none" w="med" len="med"/>
+                      <a:tailEnd type="none" w="med" len="med"/>
+                    </a:lnR>
+                    <a:lnT w="12700" cap="flat" cmpd="sng" algn="ctr">
+                      <a:solidFill>
+                        <a:schemeClr val="tx1"/>
+                      </a:solidFill>
+                      <a:prstDash val="solid"/>
+                      <a:round/>
+                      <a:headEnd type="none" w="med" len="med"/>
+                      <a:tailEnd type="none" w="med" len="med"/>
+                    </a:lnT>
+                    <a:lnB w="12700" cap="flat" cmpd="sng" algn="ctr">
+                      <a:solidFill>
+                        <a:schemeClr val="tx1"/>
+                      </a:solidFill>
+                      <a:prstDash val="solid"/>
+                      <a:round/>
+                      <a:headEnd type="none" w="med" len="med"/>
+                      <a:tailEnd type="none" w="med" len="med"/>
+                    </a:lnB>
+                    <a:lnTlToBr w="12700" cmpd="sng">
+                      <a:noFill/>
+                      <a:prstDash val="solid"/>
+                    </a:lnTlToBr>
+                    <a:lnBlToTr w="12700" cmpd="sng">
+                      <a:noFill/>
+                      <a:prstDash val="solid"/>
+                    </a:lnBlToTr>
+                    <a:solidFill>
+                      <a:schemeClr val="accent4"/>
+                    </a:solidFill>
+                  </a:tcPr>
+                </a:tc>
+                <a:extLst>
+                  <a:ext uri="{0D108BD9-81ED-4DB2-BD59-A6C34878D82A}">
+                    <a16:rowId xmlns:a16="http://schemas.microsoft.com/office/drawing/2014/main" val="3554025495"/>
                   </a:ext>
                 </a:extLst>
               </a:tr>
@@ -4429,13 +4336,13 @@
           <p:nvPr>
             <p:extLst>
               <p:ext uri="{D42A27DB-BD31-4B8C-83A1-F6EECF244321}">
-                <p14:modId xmlns:p14="http://schemas.microsoft.com/office/powerpoint/2010/main" val="179686522"/>
+                <p14:modId xmlns:p14="http://schemas.microsoft.com/office/powerpoint/2010/main" val="3061967034"/>
               </p:ext>
             </p:extLst>
           </p:nvPr>
         </p:nvGraphicFramePr>
         <p:xfrm>
-          <a:off x="5124449" y="874020"/>
+          <a:off x="3147078" y="578162"/>
           <a:ext cx="1436668" cy="2186680"/>
         </p:xfrm>
         <a:graphic>
@@ -5027,7 +4934,7 @@
                         <a:rPr lang="it-IT" sz="800" dirty="0" err="1">
                           <a:latin typeface="Biancoenero Regular" panose="020B0503020000020003" pitchFamily="34" charset="0"/>
                         </a:rPr>
-                        <a:t>id_libreria</a:t>
+                        <a:t>id_biblioteca</a:t>
                       </a:r>
                       <a:endParaRPr lang="it-IT" sz="800" dirty="0">
                         <a:latin typeface="Biancoenero Regular" panose="020B0503020000020003" pitchFamily="34" charset="0"/>
@@ -5179,14 +5086,14 @@
           <p:nvPr>
             <p:extLst>
               <p:ext uri="{D42A27DB-BD31-4B8C-83A1-F6EECF244321}">
-                <p14:modId xmlns:p14="http://schemas.microsoft.com/office/powerpoint/2010/main" val="2488975255"/>
+                <p14:modId xmlns:p14="http://schemas.microsoft.com/office/powerpoint/2010/main" val="3723816970"/>
               </p:ext>
             </p:extLst>
           </p:nvPr>
         </p:nvGraphicFramePr>
         <p:xfrm>
-          <a:off x="3117850" y="3269598"/>
-          <a:ext cx="1181100" cy="1093340"/>
+          <a:off x="722596" y="2606151"/>
+          <a:ext cx="1181100" cy="1749344"/>
         </p:xfrm>
         <a:graphic>
           <a:graphicData uri="http://schemas.openxmlformats.org/drawingml/2006/table">
@@ -5344,9 +5251,12 @@
                     <a:bodyPr/>
                     <a:lstStyle/>
                     <a:p>
-                      <a:endParaRPr lang="it-IT" sz="800" dirty="0">
-                        <a:latin typeface="Biancoenero Regular" panose="020B0503020000020003" pitchFamily="34" charset="0"/>
-                      </a:endParaRPr>
+                      <a:r>
+                        <a:rPr lang="it-IT" sz="800" dirty="0">
+                          <a:latin typeface="Biancoenero Regular" panose="020B0503020000020003" pitchFamily="34" charset="0"/>
+                        </a:rPr>
+                        <a:t>Nome</a:t>
+                      </a:r>
                     </a:p>
                   </a:txBody>
                   <a:tcPr>
@@ -5394,9 +5304,7 @@
                       <a:noFill/>
                       <a:prstDash val="solid"/>
                     </a:lnBlToTr>
-                    <a:solidFill>
-                      <a:schemeClr val="accent4"/>
-                    </a:solidFill>
+                    <a:noFill/>
                   </a:tcPr>
                 </a:tc>
                 <a:extLst>
@@ -5411,9 +5319,12 @@
                     <a:bodyPr/>
                     <a:lstStyle/>
                     <a:p>
-                      <a:endParaRPr lang="it-IT" sz="800" dirty="0">
-                        <a:latin typeface="Biancoenero Regular" panose="020B0503020000020003" pitchFamily="34" charset="0"/>
-                      </a:endParaRPr>
+                      <a:r>
+                        <a:rPr lang="it-IT" sz="800" dirty="0">
+                          <a:latin typeface="Biancoenero Regular" panose="020B0503020000020003" pitchFamily="34" charset="0"/>
+                        </a:rPr>
+                        <a:t>Indirizzo</a:t>
+                      </a:r>
                     </a:p>
                   </a:txBody>
                   <a:tcPr>
@@ -5478,9 +5389,12 @@
                     <a:bodyPr/>
                     <a:lstStyle/>
                     <a:p>
-                      <a:endParaRPr lang="it-IT" sz="800" dirty="0">
-                        <a:latin typeface="Biancoenero Regular" panose="020B0503020000020003" pitchFamily="34" charset="0"/>
-                      </a:endParaRPr>
+                      <a:r>
+                        <a:rPr lang="it-IT" sz="800" dirty="0">
+                          <a:latin typeface="Biancoenero Regular" panose="020B0503020000020003" pitchFamily="34" charset="0"/>
+                        </a:rPr>
+                        <a:t>Città</a:t>
+                      </a:r>
                     </a:p>
                   </a:txBody>
                   <a:tcPr>
@@ -5539,6 +5453,219 @@
                   </a:ext>
                 </a:extLst>
               </a:tr>
+              <a:tr h="218668">
+                <a:tc>
+                  <a:txBody>
+                    <a:bodyPr/>
+                    <a:lstStyle/>
+                    <a:p>
+                      <a:r>
+                        <a:rPr lang="it-IT" sz="800" dirty="0">
+                          <a:latin typeface="Biancoenero Regular" panose="020B0503020000020003" pitchFamily="34" charset="0"/>
+                        </a:rPr>
+                        <a:t>CAP</a:t>
+                      </a:r>
+                    </a:p>
+                  </a:txBody>
+                  <a:tcPr>
+                    <a:lnL w="12700" cap="flat" cmpd="sng" algn="ctr">
+                      <a:solidFill>
+                        <a:schemeClr val="tx1"/>
+                      </a:solidFill>
+                      <a:prstDash val="solid"/>
+                      <a:round/>
+                      <a:headEnd type="none" w="med" len="med"/>
+                      <a:tailEnd type="none" w="med" len="med"/>
+                    </a:lnL>
+                    <a:lnR w="12700" cap="flat" cmpd="sng" algn="ctr">
+                      <a:solidFill>
+                        <a:schemeClr val="tx1"/>
+                      </a:solidFill>
+                      <a:prstDash val="solid"/>
+                      <a:round/>
+                      <a:headEnd type="none" w="med" len="med"/>
+                      <a:tailEnd type="none" w="med" len="med"/>
+                    </a:lnR>
+                    <a:lnT w="12700" cap="flat" cmpd="sng" algn="ctr">
+                      <a:solidFill>
+                        <a:schemeClr val="tx1"/>
+                      </a:solidFill>
+                      <a:prstDash val="solid"/>
+                      <a:round/>
+                      <a:headEnd type="none" w="med" len="med"/>
+                      <a:tailEnd type="none" w="med" len="med"/>
+                    </a:lnT>
+                    <a:lnB w="12700" cap="flat" cmpd="sng" algn="ctr">
+                      <a:solidFill>
+                        <a:schemeClr val="tx1"/>
+                      </a:solidFill>
+                      <a:prstDash val="solid"/>
+                      <a:round/>
+                      <a:headEnd type="none" w="med" len="med"/>
+                      <a:tailEnd type="none" w="med" len="med"/>
+                    </a:lnB>
+                    <a:lnTlToBr w="12700" cmpd="sng">
+                      <a:noFill/>
+                      <a:prstDash val="solid"/>
+                    </a:lnTlToBr>
+                    <a:lnBlToTr w="12700" cmpd="sng">
+                      <a:noFill/>
+                      <a:prstDash val="solid"/>
+                    </a:lnBlToTr>
+                    <a:solidFill>
+                      <a:schemeClr val="bg1"/>
+                    </a:solidFill>
+                  </a:tcPr>
+                </a:tc>
+                <a:extLst>
+                  <a:ext uri="{0D108BD9-81ED-4DB2-BD59-A6C34878D82A}">
+                    <a16:rowId xmlns:a16="http://schemas.microsoft.com/office/drawing/2014/main" val="1305761283"/>
+                  </a:ext>
+                </a:extLst>
+              </a:tr>
+              <a:tr h="218668">
+                <a:tc>
+                  <a:txBody>
+                    <a:bodyPr/>
+                    <a:lstStyle/>
+                    <a:p>
+                      <a:r>
+                        <a:rPr lang="it-IT" sz="800" dirty="0">
+                          <a:latin typeface="Biancoenero Regular" panose="020B0503020000020003" pitchFamily="34" charset="0"/>
+                        </a:rPr>
+                        <a:t>Nazione</a:t>
+                      </a:r>
+                    </a:p>
+                  </a:txBody>
+                  <a:tcPr>
+                    <a:lnL w="12700" cap="flat" cmpd="sng" algn="ctr">
+                      <a:solidFill>
+                        <a:schemeClr val="tx1"/>
+                      </a:solidFill>
+                      <a:prstDash val="solid"/>
+                      <a:round/>
+                      <a:headEnd type="none" w="med" len="med"/>
+                      <a:tailEnd type="none" w="med" len="med"/>
+                    </a:lnL>
+                    <a:lnR w="12700" cap="flat" cmpd="sng" algn="ctr">
+                      <a:solidFill>
+                        <a:schemeClr val="tx1"/>
+                      </a:solidFill>
+                      <a:prstDash val="solid"/>
+                      <a:round/>
+                      <a:headEnd type="none" w="med" len="med"/>
+                      <a:tailEnd type="none" w="med" len="med"/>
+                    </a:lnR>
+                    <a:lnT w="12700" cap="flat" cmpd="sng" algn="ctr">
+                      <a:solidFill>
+                        <a:schemeClr val="tx1"/>
+                      </a:solidFill>
+                      <a:prstDash val="solid"/>
+                      <a:round/>
+                      <a:headEnd type="none" w="med" len="med"/>
+                      <a:tailEnd type="none" w="med" len="med"/>
+                    </a:lnT>
+                    <a:lnB w="12700" cap="flat" cmpd="sng" algn="ctr">
+                      <a:solidFill>
+                        <a:schemeClr val="tx1"/>
+                      </a:solidFill>
+                      <a:prstDash val="solid"/>
+                      <a:round/>
+                      <a:headEnd type="none" w="med" len="med"/>
+                      <a:tailEnd type="none" w="med" len="med"/>
+                    </a:lnB>
+                    <a:lnTlToBr w="12700" cmpd="sng">
+                      <a:noFill/>
+                      <a:prstDash val="solid"/>
+                    </a:lnTlToBr>
+                    <a:lnBlToTr w="12700" cmpd="sng">
+                      <a:noFill/>
+                      <a:prstDash val="solid"/>
+                    </a:lnBlToTr>
+                    <a:solidFill>
+                      <a:schemeClr val="bg1"/>
+                    </a:solidFill>
+                  </a:tcPr>
+                </a:tc>
+                <a:extLst>
+                  <a:ext uri="{0D108BD9-81ED-4DB2-BD59-A6C34878D82A}">
+                    <a16:rowId xmlns:a16="http://schemas.microsoft.com/office/drawing/2014/main" val="1639954485"/>
+                  </a:ext>
+                </a:extLst>
+              </a:tr>
+              <a:tr h="218668">
+                <a:tc>
+                  <a:txBody>
+                    <a:bodyPr/>
+                    <a:lstStyle/>
+                    <a:p>
+                      <a:r>
+                        <a:rPr lang="it-IT" sz="800" dirty="0" err="1">
+                          <a:latin typeface="Biancoenero Regular" panose="020B0503020000020003" pitchFamily="34" charset="0"/>
+                        </a:rPr>
+                        <a:t>id_bibliotecario</a:t>
+                      </a:r>
+                      <a:endParaRPr lang="it-IT" sz="800" dirty="0">
+                        <a:latin typeface="Biancoenero Regular" panose="020B0503020000020003" pitchFamily="34" charset="0"/>
+                      </a:endParaRPr>
+                    </a:p>
+                  </a:txBody>
+                  <a:tcPr>
+                    <a:lnL w="12700" cap="flat" cmpd="sng" algn="ctr">
+                      <a:solidFill>
+                        <a:schemeClr val="tx1"/>
+                      </a:solidFill>
+                      <a:prstDash val="solid"/>
+                      <a:round/>
+                      <a:headEnd type="none" w="med" len="med"/>
+                      <a:tailEnd type="none" w="med" len="med"/>
+                    </a:lnL>
+                    <a:lnR w="12700" cap="flat" cmpd="sng" algn="ctr">
+                      <a:solidFill>
+                        <a:schemeClr val="tx1"/>
+                      </a:solidFill>
+                      <a:prstDash val="solid"/>
+                      <a:round/>
+                      <a:headEnd type="none" w="med" len="med"/>
+                      <a:tailEnd type="none" w="med" len="med"/>
+                    </a:lnR>
+                    <a:lnT w="12700" cap="flat" cmpd="sng" algn="ctr">
+                      <a:solidFill>
+                        <a:schemeClr val="tx1"/>
+                      </a:solidFill>
+                      <a:prstDash val="solid"/>
+                      <a:round/>
+                      <a:headEnd type="none" w="med" len="med"/>
+                      <a:tailEnd type="none" w="med" len="med"/>
+                    </a:lnT>
+                    <a:lnB w="12700" cap="flat" cmpd="sng" algn="ctr">
+                      <a:solidFill>
+                        <a:schemeClr val="tx1"/>
+                      </a:solidFill>
+                      <a:prstDash val="solid"/>
+                      <a:round/>
+                      <a:headEnd type="none" w="med" len="med"/>
+                      <a:tailEnd type="none" w="med" len="med"/>
+                    </a:lnB>
+                    <a:lnTlToBr w="12700" cmpd="sng">
+                      <a:noFill/>
+                      <a:prstDash val="solid"/>
+                    </a:lnTlToBr>
+                    <a:lnBlToTr w="12700" cmpd="sng">
+                      <a:noFill/>
+                      <a:prstDash val="solid"/>
+                    </a:lnBlToTr>
+                    <a:solidFill>
+                      <a:schemeClr val="accent4"/>
+                    </a:solidFill>
+                  </a:tcPr>
+                </a:tc>
+                <a:extLst>
+                  <a:ext uri="{0D108BD9-81ED-4DB2-BD59-A6C34878D82A}">
+                    <a16:rowId xmlns:a16="http://schemas.microsoft.com/office/drawing/2014/main" val="3114597168"/>
+                  </a:ext>
+                </a:extLst>
+              </a:tr>
             </a:tbl>
           </a:graphicData>
         </a:graphic>
@@ -5558,13 +5685,13 @@
           <p:nvPr>
             <p:extLst>
               <p:ext uri="{D42A27DB-BD31-4B8C-83A1-F6EECF244321}">
-                <p14:modId xmlns:p14="http://schemas.microsoft.com/office/powerpoint/2010/main" val="1386370603"/>
+                <p14:modId xmlns:p14="http://schemas.microsoft.com/office/powerpoint/2010/main" val="1551981048"/>
               </p:ext>
             </p:extLst>
           </p:nvPr>
         </p:nvGraphicFramePr>
         <p:xfrm>
-          <a:off x="693832" y="347330"/>
+          <a:off x="744055" y="895290"/>
           <a:ext cx="1458817" cy="874672"/>
         </p:xfrm>
         <a:graphic>
@@ -5876,14 +6003,14 @@
           <p:nvPr>
             <p:extLst>
               <p:ext uri="{D42A27DB-BD31-4B8C-83A1-F6EECF244321}">
-                <p14:modId xmlns:p14="http://schemas.microsoft.com/office/powerpoint/2010/main" val="748855529"/>
+                <p14:modId xmlns:p14="http://schemas.microsoft.com/office/powerpoint/2010/main" val="1990800120"/>
               </p:ext>
             </p:extLst>
           </p:nvPr>
         </p:nvGraphicFramePr>
         <p:xfrm>
-          <a:off x="7188200" y="2404696"/>
-          <a:ext cx="1181100" cy="1312008"/>
+          <a:off x="2932367" y="3717210"/>
+          <a:ext cx="1181100" cy="874672"/>
         </p:xfrm>
         <a:graphic>
           <a:graphicData uri="http://schemas.openxmlformats.org/drawingml/2006/table">
@@ -6041,9 +6168,12 @@
                     <a:bodyPr/>
                     <a:lstStyle/>
                     <a:p>
-                      <a:endParaRPr lang="it-IT" sz="800" dirty="0">
-                        <a:latin typeface="Biancoenero Regular" panose="020B0503020000020003" pitchFamily="34" charset="0"/>
-                      </a:endParaRPr>
+                      <a:r>
+                        <a:rPr lang="it-IT" sz="800" dirty="0">
+                          <a:latin typeface="Biancoenero Regular" panose="020B0503020000020003" pitchFamily="34" charset="0"/>
+                        </a:rPr>
+                        <a:t>Nome</a:t>
+                      </a:r>
                     </a:p>
                   </a:txBody>
                   <a:tcPr>
@@ -6108,9 +6238,12 @@
                     <a:bodyPr/>
                     <a:lstStyle/>
                     <a:p>
-                      <a:endParaRPr lang="it-IT" sz="800" dirty="0">
-                        <a:latin typeface="Biancoenero Regular" panose="020B0503020000020003" pitchFamily="34" charset="0"/>
-                      </a:endParaRPr>
+                      <a:r>
+                        <a:rPr lang="it-IT" sz="800" dirty="0">
+                          <a:latin typeface="Biancoenero Regular" panose="020B0503020000020003" pitchFamily="34" charset="0"/>
+                        </a:rPr>
+                        <a:t>Cognome</a:t>
+                      </a:r>
                     </a:p>
                   </a:txBody>
                   <a:tcPr>
@@ -6169,140 +6302,6 @@
                   </a:ext>
                 </a:extLst>
               </a:tr>
-              <a:tr h="218668">
-                <a:tc>
-                  <a:txBody>
-                    <a:bodyPr/>
-                    <a:lstStyle/>
-                    <a:p>
-                      <a:endParaRPr lang="it-IT" sz="800" dirty="0">
-                        <a:latin typeface="Biancoenero Regular" panose="020B0503020000020003" pitchFamily="34" charset="0"/>
-                      </a:endParaRPr>
-                    </a:p>
-                  </a:txBody>
-                  <a:tcPr>
-                    <a:lnL w="12700" cap="flat" cmpd="sng" algn="ctr">
-                      <a:solidFill>
-                        <a:schemeClr val="tx1"/>
-                      </a:solidFill>
-                      <a:prstDash val="solid"/>
-                      <a:round/>
-                      <a:headEnd type="none" w="med" len="med"/>
-                      <a:tailEnd type="none" w="med" len="med"/>
-                    </a:lnL>
-                    <a:lnR w="12700" cap="flat" cmpd="sng" algn="ctr">
-                      <a:solidFill>
-                        <a:schemeClr val="tx1"/>
-                      </a:solidFill>
-                      <a:prstDash val="solid"/>
-                      <a:round/>
-                      <a:headEnd type="none" w="med" len="med"/>
-                      <a:tailEnd type="none" w="med" len="med"/>
-                    </a:lnR>
-                    <a:lnT w="12700" cap="flat" cmpd="sng" algn="ctr">
-                      <a:solidFill>
-                        <a:schemeClr val="tx1"/>
-                      </a:solidFill>
-                      <a:prstDash val="solid"/>
-                      <a:round/>
-                      <a:headEnd type="none" w="med" len="med"/>
-                      <a:tailEnd type="none" w="med" len="med"/>
-                    </a:lnT>
-                    <a:lnB w="12700" cap="flat" cmpd="sng" algn="ctr">
-                      <a:solidFill>
-                        <a:schemeClr val="tx1"/>
-                      </a:solidFill>
-                      <a:prstDash val="solid"/>
-                      <a:round/>
-                      <a:headEnd type="none" w="med" len="med"/>
-                      <a:tailEnd type="none" w="med" len="med"/>
-                    </a:lnB>
-                    <a:lnTlToBr w="12700" cmpd="sng">
-                      <a:noFill/>
-                      <a:prstDash val="solid"/>
-                    </a:lnTlToBr>
-                    <a:lnBlToTr w="12700" cmpd="sng">
-                      <a:noFill/>
-                      <a:prstDash val="solid"/>
-                    </a:lnBlToTr>
-                    <a:solidFill>
-                      <a:schemeClr val="bg1"/>
-                    </a:solidFill>
-                  </a:tcPr>
-                </a:tc>
-                <a:extLst>
-                  <a:ext uri="{0D108BD9-81ED-4DB2-BD59-A6C34878D82A}">
-                    <a16:rowId xmlns:a16="http://schemas.microsoft.com/office/drawing/2014/main" val="3670281285"/>
-                  </a:ext>
-                </a:extLst>
-              </a:tr>
-              <a:tr h="218668">
-                <a:tc>
-                  <a:txBody>
-                    <a:bodyPr/>
-                    <a:lstStyle/>
-                    <a:p>
-                      <a:endParaRPr lang="it-IT" sz="800" dirty="0">
-                        <a:latin typeface="Biancoenero Regular" panose="020B0503020000020003" pitchFamily="34" charset="0"/>
-                      </a:endParaRPr>
-                    </a:p>
-                  </a:txBody>
-                  <a:tcPr>
-                    <a:lnL w="12700" cap="flat" cmpd="sng" algn="ctr">
-                      <a:solidFill>
-                        <a:schemeClr val="tx1"/>
-                      </a:solidFill>
-                      <a:prstDash val="solid"/>
-                      <a:round/>
-                      <a:headEnd type="none" w="med" len="med"/>
-                      <a:tailEnd type="none" w="med" len="med"/>
-                    </a:lnL>
-                    <a:lnR w="12700" cap="flat" cmpd="sng" algn="ctr">
-                      <a:solidFill>
-                        <a:schemeClr val="tx1"/>
-                      </a:solidFill>
-                      <a:prstDash val="solid"/>
-                      <a:round/>
-                      <a:headEnd type="none" w="med" len="med"/>
-                      <a:tailEnd type="none" w="med" len="med"/>
-                    </a:lnR>
-                    <a:lnT w="12700" cap="flat" cmpd="sng" algn="ctr">
-                      <a:solidFill>
-                        <a:schemeClr val="tx1"/>
-                      </a:solidFill>
-                      <a:prstDash val="solid"/>
-                      <a:round/>
-                      <a:headEnd type="none" w="med" len="med"/>
-                      <a:tailEnd type="none" w="med" len="med"/>
-                    </a:lnT>
-                    <a:lnB w="12700" cap="flat" cmpd="sng" algn="ctr">
-                      <a:solidFill>
-                        <a:schemeClr val="tx1"/>
-                      </a:solidFill>
-                      <a:prstDash val="solid"/>
-                      <a:round/>
-                      <a:headEnd type="none" w="med" len="med"/>
-                      <a:tailEnd type="none" w="med" len="med"/>
-                    </a:lnB>
-                    <a:lnTlToBr w="12700" cmpd="sng">
-                      <a:noFill/>
-                      <a:prstDash val="solid"/>
-                    </a:lnTlToBr>
-                    <a:lnBlToTr w="12700" cmpd="sng">
-                      <a:noFill/>
-                      <a:prstDash val="solid"/>
-                    </a:lnBlToTr>
-                    <a:solidFill>
-                      <a:schemeClr val="accent4"/>
-                    </a:solidFill>
-                  </a:tcPr>
-                </a:tc>
-                <a:extLst>
-                  <a:ext uri="{0D108BD9-81ED-4DB2-BD59-A6C34878D82A}">
-                    <a16:rowId xmlns:a16="http://schemas.microsoft.com/office/drawing/2014/main" val="738037705"/>
-                  </a:ext>
-                </a:extLst>
-              </a:tr>
             </a:tbl>
           </a:graphicData>
         </a:graphic>
@@ -6322,14 +6321,14 @@
           <p:nvPr>
             <p:extLst>
               <p:ext uri="{D42A27DB-BD31-4B8C-83A1-F6EECF244321}">
-                <p14:modId xmlns:p14="http://schemas.microsoft.com/office/powerpoint/2010/main" val="3583262935"/>
+                <p14:modId xmlns:p14="http://schemas.microsoft.com/office/powerpoint/2010/main" val="2854404878"/>
               </p:ext>
             </p:extLst>
           </p:nvPr>
         </p:nvGraphicFramePr>
         <p:xfrm>
-          <a:off x="9380869" y="2501481"/>
-          <a:ext cx="1181100" cy="874672"/>
+          <a:off x="5581403" y="1324859"/>
+          <a:ext cx="1181100" cy="1093340"/>
         </p:xfrm>
         <a:graphic>
           <a:graphicData uri="http://schemas.openxmlformats.org/drawingml/2006/table">
@@ -6487,6 +6486,12 @@
                     <a:bodyPr/>
                     <a:lstStyle/>
                     <a:p>
+                      <a:r>
+                        <a:rPr lang="it-IT" sz="800" dirty="0" err="1">
+                          <a:latin typeface="Biancoenero Regular" panose="020B0503020000020003" pitchFamily="34" charset="0"/>
+                        </a:rPr>
+                        <a:t>Data_prelievo</a:t>
+                      </a:r>
                       <a:endParaRPr lang="it-IT" sz="800" dirty="0">
                         <a:latin typeface="Biancoenero Regular" panose="020B0503020000020003" pitchFamily="34" charset="0"/>
                       </a:endParaRPr>
@@ -6554,6 +6559,12 @@
                     <a:bodyPr/>
                     <a:lstStyle/>
                     <a:p>
+                      <a:r>
+                        <a:rPr lang="it-IT" sz="800" dirty="0" err="1">
+                          <a:latin typeface="Biancoenero Regular" panose="020B0503020000020003" pitchFamily="34" charset="0"/>
+                        </a:rPr>
+                        <a:t>Data_consegna</a:t>
+                      </a:r>
                       <a:endParaRPr lang="it-IT" sz="800" dirty="0">
                         <a:latin typeface="Biancoenero Regular" panose="020B0503020000020003" pitchFamily="34" charset="0"/>
                       </a:endParaRPr>
@@ -6615,6 +6626,79 @@
                   </a:ext>
                 </a:extLst>
               </a:tr>
+              <a:tr h="218668">
+                <a:tc>
+                  <a:txBody>
+                    <a:bodyPr/>
+                    <a:lstStyle/>
+                    <a:p>
+                      <a:r>
+                        <a:rPr lang="it-IT" sz="800" dirty="0" err="1">
+                          <a:latin typeface="Biancoenero Regular" panose="020B0503020000020003" pitchFamily="34" charset="0"/>
+                        </a:rPr>
+                        <a:t>id_lettore</a:t>
+                      </a:r>
+                      <a:endParaRPr lang="it-IT" sz="800" dirty="0">
+                        <a:latin typeface="Biancoenero Regular" panose="020B0503020000020003" pitchFamily="34" charset="0"/>
+                      </a:endParaRPr>
+                    </a:p>
+                  </a:txBody>
+                  <a:tcPr>
+                    <a:lnL w="12700" cap="flat" cmpd="sng" algn="ctr">
+                      <a:solidFill>
+                        <a:schemeClr val="tx1"/>
+                      </a:solidFill>
+                      <a:prstDash val="solid"/>
+                      <a:round/>
+                      <a:headEnd type="none" w="med" len="med"/>
+                      <a:tailEnd type="none" w="med" len="med"/>
+                    </a:lnL>
+                    <a:lnR w="12700" cap="flat" cmpd="sng" algn="ctr">
+                      <a:solidFill>
+                        <a:schemeClr val="tx1"/>
+                      </a:solidFill>
+                      <a:prstDash val="solid"/>
+                      <a:round/>
+                      <a:headEnd type="none" w="med" len="med"/>
+                      <a:tailEnd type="none" w="med" len="med"/>
+                    </a:lnR>
+                    <a:lnT w="12700" cap="flat" cmpd="sng" algn="ctr">
+                      <a:solidFill>
+                        <a:schemeClr val="tx1"/>
+                      </a:solidFill>
+                      <a:prstDash val="solid"/>
+                      <a:round/>
+                      <a:headEnd type="none" w="med" len="med"/>
+                      <a:tailEnd type="none" w="med" len="med"/>
+                    </a:lnT>
+                    <a:lnB w="12700" cap="flat" cmpd="sng" algn="ctr">
+                      <a:solidFill>
+                        <a:schemeClr val="tx1"/>
+                      </a:solidFill>
+                      <a:prstDash val="solid"/>
+                      <a:round/>
+                      <a:headEnd type="none" w="med" len="med"/>
+                      <a:tailEnd type="none" w="med" len="med"/>
+                    </a:lnB>
+                    <a:lnTlToBr w="12700" cmpd="sng">
+                      <a:noFill/>
+                      <a:prstDash val="solid"/>
+                    </a:lnTlToBr>
+                    <a:lnBlToTr w="12700" cmpd="sng">
+                      <a:noFill/>
+                      <a:prstDash val="solid"/>
+                    </a:lnBlToTr>
+                    <a:solidFill>
+                      <a:schemeClr val="accent4"/>
+                    </a:solidFill>
+                  </a:tcPr>
+                </a:tc>
+                <a:extLst>
+                  <a:ext uri="{0D108BD9-81ED-4DB2-BD59-A6C34878D82A}">
+                    <a16:rowId xmlns:a16="http://schemas.microsoft.com/office/drawing/2014/main" val="341286168"/>
+                  </a:ext>
+                </a:extLst>
+              </a:tr>
             </a:tbl>
           </a:graphicData>
         </a:graphic>
@@ -6634,7 +6718,7 @@
         <p:spPr>
           <a:xfrm>
             <a:off x="7988003" y="347330"/>
-            <a:ext cx="3480984" cy="369332"/>
+            <a:ext cx="1969457" cy="461665"/>
           </a:xfrm>
           <a:prstGeom prst="rect">
             <a:avLst/>
@@ -6648,16 +6732,10 @@
           <a:lstStyle/>
           <a:p>
             <a:r>
-              <a:rPr lang="it-IT" b="1" dirty="0" err="1">
+              <a:rPr lang="it-IT" sz="2400" b="1" dirty="0">
                 <a:latin typeface="Biancoenero Regular" panose="020B0503020000020003" pitchFamily="34" charset="0"/>
               </a:rPr>
-              <a:t>Homework</a:t>
-            </a:r>
-            <a:r>
-              <a:rPr lang="it-IT" b="1" dirty="0">
-                <a:latin typeface="Biancoenero Regular" panose="020B0503020000020003" pitchFamily="34" charset="0"/>
-              </a:rPr>
-              <a:t> 2 – Biblioteca</a:t>
+              <a:t>Biblioteca</a:t>
             </a:r>
           </a:p>
         </p:txBody>
@@ -6678,10 +6756,680 @@
         </p:nvCxnSpPr>
         <p:spPr>
           <a:xfrm rot="10800000">
-            <a:off x="2152650" y="532266"/>
-            <a:ext cx="2971798" cy="1753735"/>
+            <a:off x="2202874" y="1200681"/>
+            <a:ext cx="944205" cy="789823"/>
           </a:xfrm>
           <a:prstGeom prst="bentConnector3">
+            <a:avLst/>
+          </a:prstGeom>
+          <a:ln w="25400">
+            <a:tailEnd type="triangle"/>
+          </a:ln>
+        </p:spPr>
+        <p:style>
+          <a:lnRef idx="1">
+            <a:schemeClr val="accent1"/>
+          </a:lnRef>
+          <a:fillRef idx="0">
+            <a:schemeClr val="accent1"/>
+          </a:fillRef>
+          <a:effectRef idx="0">
+            <a:schemeClr val="accent1"/>
+          </a:effectRef>
+          <a:fontRef idx="minor">
+            <a:schemeClr val="tx1"/>
+          </a:fontRef>
+        </p:style>
+      </p:cxnSp>
+      <p:graphicFrame>
+        <p:nvGraphicFramePr>
+          <p:cNvPr id="14" name="Tabella 4">
+            <a:extLst>
+              <a:ext uri="{FF2B5EF4-FFF2-40B4-BE49-F238E27FC236}">
+                <a16:creationId xmlns:a16="http://schemas.microsoft.com/office/drawing/2014/main" id="{E14E5D20-DF25-486D-B47E-1D183E6321EB}"/>
+              </a:ext>
+            </a:extLst>
+          </p:cNvPr>
+          <p:cNvGraphicFramePr>
+            <a:graphicFrameLocks noGrp="1"/>
+          </p:cNvGraphicFramePr>
+          <p:nvPr>
+            <p:extLst>
+              <p:ext uri="{D42A27DB-BD31-4B8C-83A1-F6EECF244321}">
+                <p14:modId xmlns:p14="http://schemas.microsoft.com/office/powerpoint/2010/main" val="3432824337"/>
+              </p:ext>
+            </p:extLst>
+          </p:nvPr>
+        </p:nvGraphicFramePr>
+        <p:xfrm>
+          <a:off x="6033119" y="4633875"/>
+          <a:ext cx="1345417" cy="1093340"/>
+        </p:xfrm>
+        <a:graphic>
+          <a:graphicData uri="http://schemas.openxmlformats.org/drawingml/2006/table">
+            <a:tbl>
+              <a:tblPr firstRow="1" bandRow="1">
+                <a:tableStyleId>{5C22544A-7EE6-4342-B048-85BDC9FD1C3A}</a:tableStyleId>
+              </a:tblPr>
+              <a:tblGrid>
+                <a:gridCol w="1345417">
+                  <a:extLst>
+                    <a:ext uri="{9D8B030D-6E8A-4147-A177-3AD203B41FA5}">
+                      <a16:colId xmlns:a16="http://schemas.microsoft.com/office/drawing/2014/main" val="2877848000"/>
+                    </a:ext>
+                  </a:extLst>
+                </a:gridCol>
+              </a:tblGrid>
+              <a:tr h="218668">
+                <a:tc>
+                  <a:txBody>
+                    <a:bodyPr/>
+                    <a:lstStyle/>
+                    <a:p>
+                      <a:r>
+                        <a:rPr lang="it-IT" sz="800" dirty="0">
+                          <a:solidFill>
+                            <a:schemeClr val="tx1"/>
+                          </a:solidFill>
+                          <a:latin typeface="Biancoenero Regular" panose="020B0503020000020003" pitchFamily="34" charset="0"/>
+                        </a:rPr>
+                        <a:t>LIBRI IN PRESTITO</a:t>
+                      </a:r>
+                    </a:p>
+                  </a:txBody>
+                  <a:tcPr>
+                    <a:lnL w="12700" cap="flat" cmpd="sng" algn="ctr">
+                      <a:solidFill>
+                        <a:schemeClr val="tx1"/>
+                      </a:solidFill>
+                      <a:prstDash val="solid"/>
+                      <a:round/>
+                      <a:headEnd type="none" w="med" len="med"/>
+                      <a:tailEnd type="none" w="med" len="med"/>
+                    </a:lnL>
+                    <a:lnR w="12700" cap="flat" cmpd="sng" algn="ctr">
+                      <a:solidFill>
+                        <a:schemeClr val="tx1"/>
+                      </a:solidFill>
+                      <a:prstDash val="solid"/>
+                      <a:round/>
+                      <a:headEnd type="none" w="med" len="med"/>
+                      <a:tailEnd type="none" w="med" len="med"/>
+                    </a:lnR>
+                    <a:lnT w="12700" cap="flat" cmpd="sng" algn="ctr">
+                      <a:solidFill>
+                        <a:schemeClr val="tx1"/>
+                      </a:solidFill>
+                      <a:prstDash val="solid"/>
+                      <a:round/>
+                      <a:headEnd type="none" w="med" len="med"/>
+                      <a:tailEnd type="none" w="med" len="med"/>
+                    </a:lnT>
+                    <a:lnB w="12700" cap="flat" cmpd="sng" algn="ctr">
+                      <a:solidFill>
+                        <a:schemeClr val="tx1"/>
+                      </a:solidFill>
+                      <a:prstDash val="solid"/>
+                      <a:round/>
+                      <a:headEnd type="none" w="med" len="med"/>
+                      <a:tailEnd type="none" w="med" len="med"/>
+                    </a:lnB>
+                    <a:solidFill>
+                      <a:schemeClr val="bg2"/>
+                    </a:solidFill>
+                  </a:tcPr>
+                </a:tc>
+                <a:extLst>
+                  <a:ext uri="{0D108BD9-81ED-4DB2-BD59-A6C34878D82A}">
+                    <a16:rowId xmlns:a16="http://schemas.microsoft.com/office/drawing/2014/main" val="1955962654"/>
+                  </a:ext>
+                </a:extLst>
+              </a:tr>
+              <a:tr h="218668">
+                <a:tc>
+                  <a:txBody>
+                    <a:bodyPr/>
+                    <a:lstStyle/>
+                    <a:p>
+                      <a:r>
+                        <a:rPr lang="it-IT" sz="800" dirty="0">
+                          <a:latin typeface="Biancoenero Regular" panose="020B0503020000020003" pitchFamily="34" charset="0"/>
+                        </a:rPr>
+                        <a:t>ID</a:t>
+                      </a:r>
+                    </a:p>
+                  </a:txBody>
+                  <a:tcPr>
+                    <a:lnL w="12700" cap="flat" cmpd="sng" algn="ctr">
+                      <a:solidFill>
+                        <a:schemeClr val="tx1"/>
+                      </a:solidFill>
+                      <a:prstDash val="solid"/>
+                      <a:round/>
+                      <a:headEnd type="none" w="med" len="med"/>
+                      <a:tailEnd type="none" w="med" len="med"/>
+                    </a:lnL>
+                    <a:lnR w="12700" cap="flat" cmpd="sng" algn="ctr">
+                      <a:solidFill>
+                        <a:schemeClr val="tx1"/>
+                      </a:solidFill>
+                      <a:prstDash val="solid"/>
+                      <a:round/>
+                      <a:headEnd type="none" w="med" len="med"/>
+                      <a:tailEnd type="none" w="med" len="med"/>
+                    </a:lnR>
+                    <a:lnT w="12700" cap="flat" cmpd="sng" algn="ctr">
+                      <a:solidFill>
+                        <a:schemeClr val="tx1"/>
+                      </a:solidFill>
+                      <a:prstDash val="solid"/>
+                      <a:round/>
+                      <a:headEnd type="none" w="med" len="med"/>
+                      <a:tailEnd type="none" w="med" len="med"/>
+                    </a:lnT>
+                    <a:lnB w="12700" cap="flat" cmpd="sng" algn="ctr">
+                      <a:solidFill>
+                        <a:schemeClr val="tx1"/>
+                      </a:solidFill>
+                      <a:prstDash val="solid"/>
+                      <a:round/>
+                      <a:headEnd type="none" w="med" len="med"/>
+                      <a:tailEnd type="none" w="med" len="med"/>
+                    </a:lnB>
+                    <a:lnTlToBr w="12700" cmpd="sng">
+                      <a:noFill/>
+                      <a:prstDash val="solid"/>
+                    </a:lnTlToBr>
+                    <a:lnBlToTr w="12700" cmpd="sng">
+                      <a:noFill/>
+                      <a:prstDash val="solid"/>
+                    </a:lnBlToTr>
+                    <a:solidFill>
+                      <a:schemeClr val="accent6"/>
+                    </a:solidFill>
+                  </a:tcPr>
+                </a:tc>
+                <a:extLst>
+                  <a:ext uri="{0D108BD9-81ED-4DB2-BD59-A6C34878D82A}">
+                    <a16:rowId xmlns:a16="http://schemas.microsoft.com/office/drawing/2014/main" val="2753804288"/>
+                  </a:ext>
+                </a:extLst>
+              </a:tr>
+              <a:tr h="218668">
+                <a:tc>
+                  <a:txBody>
+                    <a:bodyPr/>
+                    <a:lstStyle/>
+                    <a:p>
+                      <a:r>
+                        <a:rPr lang="it-IT" sz="800" dirty="0" err="1">
+                          <a:latin typeface="Biancoenero Regular" panose="020B0503020000020003" pitchFamily="34" charset="0"/>
+                        </a:rPr>
+                        <a:t>Libri_in_prestito</a:t>
+                      </a:r>
+                      <a:endParaRPr lang="it-IT" sz="800" dirty="0">
+                        <a:latin typeface="Biancoenero Regular" panose="020B0503020000020003" pitchFamily="34" charset="0"/>
+                      </a:endParaRPr>
+                    </a:p>
+                  </a:txBody>
+                  <a:tcPr>
+                    <a:lnL w="12700" cap="flat" cmpd="sng" algn="ctr">
+                      <a:solidFill>
+                        <a:schemeClr val="tx1"/>
+                      </a:solidFill>
+                      <a:prstDash val="solid"/>
+                      <a:round/>
+                      <a:headEnd type="none" w="med" len="med"/>
+                      <a:tailEnd type="none" w="med" len="med"/>
+                    </a:lnL>
+                    <a:lnR w="12700" cap="flat" cmpd="sng" algn="ctr">
+                      <a:solidFill>
+                        <a:schemeClr val="tx1"/>
+                      </a:solidFill>
+                      <a:prstDash val="solid"/>
+                      <a:round/>
+                      <a:headEnd type="none" w="med" len="med"/>
+                      <a:tailEnd type="none" w="med" len="med"/>
+                    </a:lnR>
+                    <a:lnT w="12700" cap="flat" cmpd="sng" algn="ctr">
+                      <a:solidFill>
+                        <a:schemeClr val="tx1"/>
+                      </a:solidFill>
+                      <a:prstDash val="solid"/>
+                      <a:round/>
+                      <a:headEnd type="none" w="med" len="med"/>
+                      <a:tailEnd type="none" w="med" len="med"/>
+                    </a:lnT>
+                    <a:lnB w="12700" cap="flat" cmpd="sng" algn="ctr">
+                      <a:solidFill>
+                        <a:schemeClr val="tx1"/>
+                      </a:solidFill>
+                      <a:prstDash val="solid"/>
+                      <a:round/>
+                      <a:headEnd type="none" w="med" len="med"/>
+                      <a:tailEnd type="none" w="med" len="med"/>
+                    </a:lnB>
+                    <a:lnTlToBr w="12700" cmpd="sng">
+                      <a:noFill/>
+                      <a:prstDash val="solid"/>
+                    </a:lnTlToBr>
+                    <a:lnBlToTr w="12700" cmpd="sng">
+                      <a:noFill/>
+                      <a:prstDash val="solid"/>
+                    </a:lnBlToTr>
+                    <a:solidFill>
+                      <a:schemeClr val="bg1"/>
+                    </a:solidFill>
+                  </a:tcPr>
+                </a:tc>
+                <a:extLst>
+                  <a:ext uri="{0D108BD9-81ED-4DB2-BD59-A6C34878D82A}">
+                    <a16:rowId xmlns:a16="http://schemas.microsoft.com/office/drawing/2014/main" val="3863890062"/>
+                  </a:ext>
+                </a:extLst>
+              </a:tr>
+              <a:tr h="218668">
+                <a:tc>
+                  <a:txBody>
+                    <a:bodyPr/>
+                    <a:lstStyle/>
+                    <a:p>
+                      <a:r>
+                        <a:rPr lang="it-IT" sz="800" dirty="0" err="1">
+                          <a:latin typeface="Biancoenero Regular" panose="020B0503020000020003" pitchFamily="34" charset="0"/>
+                        </a:rPr>
+                        <a:t>Libri_restituiti</a:t>
+                      </a:r>
+                      <a:endParaRPr lang="it-IT" sz="800" dirty="0">
+                        <a:latin typeface="Biancoenero Regular" panose="020B0503020000020003" pitchFamily="34" charset="0"/>
+                      </a:endParaRPr>
+                    </a:p>
+                  </a:txBody>
+                  <a:tcPr>
+                    <a:lnL w="12700" cap="flat" cmpd="sng" algn="ctr">
+                      <a:solidFill>
+                        <a:schemeClr val="tx1"/>
+                      </a:solidFill>
+                      <a:prstDash val="solid"/>
+                      <a:round/>
+                      <a:headEnd type="none" w="med" len="med"/>
+                      <a:tailEnd type="none" w="med" len="med"/>
+                    </a:lnL>
+                    <a:lnR w="12700" cap="flat" cmpd="sng" algn="ctr">
+                      <a:solidFill>
+                        <a:schemeClr val="tx1"/>
+                      </a:solidFill>
+                      <a:prstDash val="solid"/>
+                      <a:round/>
+                      <a:headEnd type="none" w="med" len="med"/>
+                      <a:tailEnd type="none" w="med" len="med"/>
+                    </a:lnR>
+                    <a:lnT w="12700" cap="flat" cmpd="sng" algn="ctr">
+                      <a:solidFill>
+                        <a:schemeClr val="tx1"/>
+                      </a:solidFill>
+                      <a:prstDash val="solid"/>
+                      <a:round/>
+                      <a:headEnd type="none" w="med" len="med"/>
+                      <a:tailEnd type="none" w="med" len="med"/>
+                    </a:lnT>
+                    <a:lnB w="12700" cap="flat" cmpd="sng" algn="ctr">
+                      <a:solidFill>
+                        <a:schemeClr val="tx1"/>
+                      </a:solidFill>
+                      <a:prstDash val="solid"/>
+                      <a:round/>
+                      <a:headEnd type="none" w="med" len="med"/>
+                      <a:tailEnd type="none" w="med" len="med"/>
+                    </a:lnB>
+                    <a:lnTlToBr w="12700" cmpd="sng">
+                      <a:noFill/>
+                      <a:prstDash val="solid"/>
+                    </a:lnTlToBr>
+                    <a:lnBlToTr w="12700" cmpd="sng">
+                      <a:noFill/>
+                      <a:prstDash val="solid"/>
+                    </a:lnBlToTr>
+                    <a:solidFill>
+                      <a:schemeClr val="bg1"/>
+                    </a:solidFill>
+                  </a:tcPr>
+                </a:tc>
+                <a:extLst>
+                  <a:ext uri="{0D108BD9-81ED-4DB2-BD59-A6C34878D82A}">
+                    <a16:rowId xmlns:a16="http://schemas.microsoft.com/office/drawing/2014/main" val="2421474954"/>
+                  </a:ext>
+                </a:extLst>
+              </a:tr>
+              <a:tr h="218668">
+                <a:tc>
+                  <a:txBody>
+                    <a:bodyPr/>
+                    <a:lstStyle/>
+                    <a:p>
+                      <a:r>
+                        <a:rPr lang="it-IT" sz="800" dirty="0" err="1">
+                          <a:latin typeface="Biancoenero Regular" panose="020B0503020000020003" pitchFamily="34" charset="0"/>
+                        </a:rPr>
+                        <a:t>id_libro</a:t>
+                      </a:r>
+                      <a:endParaRPr lang="it-IT" sz="800" dirty="0">
+                        <a:latin typeface="Biancoenero Regular" panose="020B0503020000020003" pitchFamily="34" charset="0"/>
+                      </a:endParaRPr>
+                    </a:p>
+                  </a:txBody>
+                  <a:tcPr>
+                    <a:lnL w="12700" cap="flat" cmpd="sng" algn="ctr">
+                      <a:solidFill>
+                        <a:schemeClr val="tx1"/>
+                      </a:solidFill>
+                      <a:prstDash val="solid"/>
+                      <a:round/>
+                      <a:headEnd type="none" w="med" len="med"/>
+                      <a:tailEnd type="none" w="med" len="med"/>
+                    </a:lnL>
+                    <a:lnR w="12700" cap="flat" cmpd="sng" algn="ctr">
+                      <a:solidFill>
+                        <a:schemeClr val="tx1"/>
+                      </a:solidFill>
+                      <a:prstDash val="solid"/>
+                      <a:round/>
+                      <a:headEnd type="none" w="med" len="med"/>
+                      <a:tailEnd type="none" w="med" len="med"/>
+                    </a:lnR>
+                    <a:lnT w="12700" cap="flat" cmpd="sng" algn="ctr">
+                      <a:solidFill>
+                        <a:schemeClr val="tx1"/>
+                      </a:solidFill>
+                      <a:prstDash val="solid"/>
+                      <a:round/>
+                      <a:headEnd type="none" w="med" len="med"/>
+                      <a:tailEnd type="none" w="med" len="med"/>
+                    </a:lnT>
+                    <a:lnB w="12700" cap="flat" cmpd="sng" algn="ctr">
+                      <a:solidFill>
+                        <a:schemeClr val="tx1"/>
+                      </a:solidFill>
+                      <a:prstDash val="solid"/>
+                      <a:round/>
+                      <a:headEnd type="none" w="med" len="med"/>
+                      <a:tailEnd type="none" w="med" len="med"/>
+                    </a:lnB>
+                    <a:lnTlToBr w="12700" cmpd="sng">
+                      <a:noFill/>
+                      <a:prstDash val="solid"/>
+                    </a:lnTlToBr>
+                    <a:lnBlToTr w="12700" cmpd="sng">
+                      <a:noFill/>
+                      <a:prstDash val="solid"/>
+                    </a:lnBlToTr>
+                    <a:solidFill>
+                      <a:schemeClr val="accent4"/>
+                    </a:solidFill>
+                  </a:tcPr>
+                </a:tc>
+                <a:extLst>
+                  <a:ext uri="{0D108BD9-81ED-4DB2-BD59-A6C34878D82A}">
+                    <a16:rowId xmlns:a16="http://schemas.microsoft.com/office/drawing/2014/main" val="341286168"/>
+                  </a:ext>
+                </a:extLst>
+              </a:tr>
+            </a:tbl>
+          </a:graphicData>
+        </a:graphic>
+      </p:graphicFrame>
+      <p:cxnSp>
+        <p:nvCxnSpPr>
+          <p:cNvPr id="4" name="Connettore a gomito 3">
+            <a:extLst>
+              <a:ext uri="{FF2B5EF4-FFF2-40B4-BE49-F238E27FC236}">
+                <a16:creationId xmlns:a16="http://schemas.microsoft.com/office/drawing/2014/main" id="{4DFDEC42-5E12-4498-B80D-03F570A40A3A}"/>
+              </a:ext>
+            </a:extLst>
+          </p:cNvPr>
+          <p:cNvCxnSpPr/>
+          <p:nvPr/>
+        </p:nvCxnSpPr>
+        <p:spPr>
+          <a:xfrm rot="10800000" flipV="1">
+            <a:off x="1905990" y="2418199"/>
+            <a:ext cx="1241088" cy="498764"/>
+          </a:xfrm>
+          <a:prstGeom prst="bentConnector3">
+            <a:avLst/>
+          </a:prstGeom>
+          <a:ln w="25400">
+            <a:tailEnd type="triangle"/>
+          </a:ln>
+        </p:spPr>
+        <p:style>
+          <a:lnRef idx="1">
+            <a:schemeClr val="accent1"/>
+          </a:lnRef>
+          <a:fillRef idx="0">
+            <a:schemeClr val="accent1"/>
+          </a:fillRef>
+          <a:effectRef idx="0">
+            <a:schemeClr val="accent1"/>
+          </a:effectRef>
+          <a:fontRef idx="minor">
+            <a:schemeClr val="tx1"/>
+          </a:fontRef>
+        </p:style>
+      </p:cxnSp>
+      <p:cxnSp>
+        <p:nvCxnSpPr>
+          <p:cNvPr id="16" name="Connettore a gomito 15">
+            <a:extLst>
+              <a:ext uri="{FF2B5EF4-FFF2-40B4-BE49-F238E27FC236}">
+                <a16:creationId xmlns:a16="http://schemas.microsoft.com/office/drawing/2014/main" id="{5837F261-E3A0-48EC-BD31-5C55C9171C13}"/>
+              </a:ext>
+            </a:extLst>
+          </p:cNvPr>
+          <p:cNvCxnSpPr/>
+          <p:nvPr/>
+        </p:nvCxnSpPr>
+        <p:spPr>
+          <a:xfrm flipV="1">
+            <a:off x="1903696" y="4062932"/>
+            <a:ext cx="1028671" cy="183229"/>
+          </a:xfrm>
+          <a:prstGeom prst="bentConnector3">
+            <a:avLst/>
+          </a:prstGeom>
+          <a:ln w="25400">
+            <a:tailEnd type="triangle"/>
+          </a:ln>
+        </p:spPr>
+        <p:style>
+          <a:lnRef idx="1">
+            <a:schemeClr val="accent1"/>
+          </a:lnRef>
+          <a:fillRef idx="0">
+            <a:schemeClr val="accent1"/>
+          </a:fillRef>
+          <a:effectRef idx="0">
+            <a:schemeClr val="accent1"/>
+          </a:effectRef>
+          <a:fontRef idx="minor">
+            <a:schemeClr val="tx1"/>
+          </a:fontRef>
+        </p:style>
+      </p:cxnSp>
+      <p:cxnSp>
+        <p:nvCxnSpPr>
+          <p:cNvPr id="18" name="Connettore a gomito 17">
+            <a:extLst>
+              <a:ext uri="{FF2B5EF4-FFF2-40B4-BE49-F238E27FC236}">
+                <a16:creationId xmlns:a16="http://schemas.microsoft.com/office/drawing/2014/main" id="{C9F55C7F-A7BC-48C9-821D-6E9866A6A14E}"/>
+              </a:ext>
+            </a:extLst>
+          </p:cNvPr>
+          <p:cNvCxnSpPr/>
+          <p:nvPr/>
+        </p:nvCxnSpPr>
+        <p:spPr>
+          <a:xfrm flipV="1">
+            <a:off x="4583746" y="1671502"/>
+            <a:ext cx="997657" cy="996079"/>
+          </a:xfrm>
+          <a:prstGeom prst="bentConnector3">
+            <a:avLst/>
+          </a:prstGeom>
+          <a:ln w="25400">
+            <a:tailEnd type="triangle"/>
+          </a:ln>
+        </p:spPr>
+        <p:style>
+          <a:lnRef idx="1">
+            <a:schemeClr val="accent1"/>
+          </a:lnRef>
+          <a:fillRef idx="0">
+            <a:schemeClr val="accent1"/>
+          </a:fillRef>
+          <a:effectRef idx="0">
+            <a:schemeClr val="accent1"/>
+          </a:effectRef>
+          <a:fontRef idx="minor">
+            <a:schemeClr val="tx1"/>
+          </a:fontRef>
+        </p:style>
+      </p:cxnSp>
+      <p:cxnSp>
+        <p:nvCxnSpPr>
+          <p:cNvPr id="20" name="Connettore a gomito 19">
+            <a:extLst>
+              <a:ext uri="{FF2B5EF4-FFF2-40B4-BE49-F238E27FC236}">
+                <a16:creationId xmlns:a16="http://schemas.microsoft.com/office/drawing/2014/main" id="{BAF5979F-334B-479E-A5E4-C3016E07D939}"/>
+              </a:ext>
+            </a:extLst>
+          </p:cNvPr>
+          <p:cNvCxnSpPr/>
+          <p:nvPr/>
+        </p:nvCxnSpPr>
+        <p:spPr>
+          <a:xfrm>
+            <a:off x="6762503" y="2293509"/>
+            <a:ext cx="1467097" cy="813459"/>
+          </a:xfrm>
+          <a:prstGeom prst="bentConnector3">
+            <a:avLst/>
+          </a:prstGeom>
+          <a:ln w="25400">
+            <a:tailEnd type="triangle"/>
+          </a:ln>
+        </p:spPr>
+        <p:style>
+          <a:lnRef idx="1">
+            <a:schemeClr val="accent1"/>
+          </a:lnRef>
+          <a:fillRef idx="0">
+            <a:schemeClr val="accent1"/>
+          </a:fillRef>
+          <a:effectRef idx="0">
+            <a:schemeClr val="accent1"/>
+          </a:effectRef>
+          <a:fontRef idx="minor">
+            <a:schemeClr val="tx1"/>
+          </a:fontRef>
+        </p:style>
+      </p:cxnSp>
+      <p:cxnSp>
+        <p:nvCxnSpPr>
+          <p:cNvPr id="24" name="Connettore a gomito 23">
+            <a:extLst>
+              <a:ext uri="{FF2B5EF4-FFF2-40B4-BE49-F238E27FC236}">
+                <a16:creationId xmlns:a16="http://schemas.microsoft.com/office/drawing/2014/main" id="{EC684F18-3762-467F-8E3A-B9256B890B38}"/>
+              </a:ext>
+            </a:extLst>
+          </p:cNvPr>
+          <p:cNvCxnSpPr/>
+          <p:nvPr/>
+        </p:nvCxnSpPr>
+        <p:spPr>
+          <a:xfrm>
+            <a:off x="9540545" y="4009493"/>
+            <a:ext cx="850364" cy="705338"/>
+          </a:xfrm>
+          <a:prstGeom prst="bentConnector3">
+            <a:avLst/>
+          </a:prstGeom>
+          <a:ln w="25400">
+            <a:tailEnd type="triangle"/>
+          </a:ln>
+        </p:spPr>
+        <p:style>
+          <a:lnRef idx="1">
+            <a:schemeClr val="accent1"/>
+          </a:lnRef>
+          <a:fillRef idx="0">
+            <a:schemeClr val="accent1"/>
+          </a:fillRef>
+          <a:effectRef idx="0">
+            <a:schemeClr val="accent1"/>
+          </a:effectRef>
+          <a:fontRef idx="minor">
+            <a:schemeClr val="tx1"/>
+          </a:fontRef>
+        </p:style>
+      </p:cxnSp>
+      <p:cxnSp>
+        <p:nvCxnSpPr>
+          <p:cNvPr id="27" name="Connettore a gomito 26">
+            <a:extLst>
+              <a:ext uri="{FF2B5EF4-FFF2-40B4-BE49-F238E27FC236}">
+                <a16:creationId xmlns:a16="http://schemas.microsoft.com/office/drawing/2014/main" id="{D23F0307-6069-43EE-AF0A-F0CCA7EFF966}"/>
+              </a:ext>
+            </a:extLst>
+          </p:cNvPr>
+          <p:cNvCxnSpPr/>
+          <p:nvPr/>
+        </p:nvCxnSpPr>
+        <p:spPr>
+          <a:xfrm rot="10800000" flipV="1">
+            <a:off x="7378536" y="4246161"/>
+            <a:ext cx="850364" cy="748984"/>
+          </a:xfrm>
+          <a:prstGeom prst="bentConnector3">
+            <a:avLst/>
+          </a:prstGeom>
+          <a:ln w="25400">
+            <a:tailEnd type="triangle"/>
+          </a:ln>
+        </p:spPr>
+        <p:style>
+          <a:lnRef idx="1">
+            <a:schemeClr val="accent1"/>
+          </a:lnRef>
+          <a:fillRef idx="0">
+            <a:schemeClr val="accent1"/>
+          </a:fillRef>
+          <a:effectRef idx="0">
+            <a:schemeClr val="accent1"/>
+          </a:effectRef>
+          <a:fontRef idx="minor">
+            <a:schemeClr val="tx1"/>
+          </a:fontRef>
+        </p:style>
+      </p:cxnSp>
+      <p:cxnSp>
+        <p:nvCxnSpPr>
+          <p:cNvPr id="31" name="Connettore 2 30">
+            <a:extLst>
+              <a:ext uri="{FF2B5EF4-FFF2-40B4-BE49-F238E27FC236}">
+                <a16:creationId xmlns:a16="http://schemas.microsoft.com/office/drawing/2014/main" id="{7E25FB02-69F7-4FA5-B35E-6405662613E3}"/>
+              </a:ext>
+            </a:extLst>
+          </p:cNvPr>
+          <p:cNvCxnSpPr/>
+          <p:nvPr/>
+        </p:nvCxnSpPr>
+        <p:spPr>
+          <a:xfrm flipH="1" flipV="1">
+            <a:off x="4583746" y="895290"/>
+            <a:ext cx="1449373" cy="4099856"/>
+          </a:xfrm>
+          <a:prstGeom prst="straightConnector1">
             <a:avLst/>
           </a:prstGeom>
           <a:ln w="25400">
